--- a/What Distinguishes a Good Wine.pptx
+++ b/What Distinguishes a Good Wine.pptx
@@ -137,6 +137,11 @@
       </a:defRPr>
     </a:lvl9pPr>
   </p:defaultTextStyle>
+  <p:extLst>
+    <p:ext uri="{EFAFB233-063F-42B5-8137-9DF3F51BA10A}">
+      <p15:sldGuideLst xmlns:p15="http://schemas.microsoft.com/office/powerpoint/2012/main"/>
+    </p:ext>
+  </p:extLst>
 </p:presentation>
 </file>
 
@@ -6033,13 +6038,22 @@
             <p:ph type="subTitle" idx="1"/>
           </p:nvPr>
         </p:nvSpPr>
-        <p:spPr/>
+        <p:spPr>
+          <a:xfrm>
+            <a:off x="1432059" y="109431"/>
+            <a:ext cx="10684933" cy="574675"/>
+          </a:xfrm>
+        </p:spPr>
         <p:txBody>
           <a:bodyPr/>
           <a:lstStyle/>
           <a:p>
             <a:r>
-              <a:rPr lang="en-US" dirty="0"/>
+              <a:rPr lang="en-US" sz="2400" b="1" dirty="0">
+                <a:solidFill>
+                  <a:schemeClr val="tx2"/>
+                </a:solidFill>
+              </a:rPr>
               <a:t>Polina Holland, Michelle Goodman, Tina Sparks, Taniya Chhabra</a:t>
             </a:r>
           </a:p>
@@ -6096,7 +6110,10 @@
           <a:bodyPr/>
           <a:lstStyle/>
           <a:p>
-            <a:endParaRPr lang="en-US"/>
+            <a:r>
+              <a:rPr lang="en-US" dirty="0"/>
+              <a:t>First Things First</a:t>
+            </a:r>
           </a:p>
         </p:txBody>
       </p:sp>
@@ -6121,7 +6138,32 @@
           <a:bodyPr/>
           <a:lstStyle/>
           <a:p>
-            <a:endParaRPr lang="en-US"/>
+            <a:r>
+              <a:rPr lang="en-US" dirty="0"/>
+              <a:t>Locate a dataset large enough to work with</a:t>
+            </a:r>
+          </a:p>
+          <a:p>
+            <a:r>
+              <a:rPr lang="en-US" dirty="0"/>
+              <a:t>Lessened decimal points &amp; restructured columns in the dataset</a:t>
+            </a:r>
+          </a:p>
+          <a:p>
+            <a:r>
+              <a:rPr lang="en-US"/>
+              <a:t>Machine Learning</a:t>
+            </a:r>
+            <a:endParaRPr lang="en-US" dirty="0"/>
+          </a:p>
+          <a:p>
+            <a:r>
+              <a:rPr lang="en-US" dirty="0"/>
+              <a:t>Create visualizations </a:t>
+            </a:r>
+          </a:p>
+          <a:p>
+            <a:endParaRPr lang="en-US" dirty="0"/>
           </a:p>
         </p:txBody>
       </p:sp>

--- a/What Distinguishes a Good Wine.pptx
+++ b/What Distinguishes a Good Wine.pptx
@@ -7,8 +7,11 @@
   </p:sldMasterIdLst>
   <p:sldIdLst>
     <p:sldId id="256" r:id="rId3"/>
-    <p:sldId id="257" r:id="rId4"/>
-    <p:sldId id="258" r:id="rId5"/>
+    <p:sldId id="259" r:id="rId4"/>
+    <p:sldId id="257" r:id="rId5"/>
+    <p:sldId id="260" r:id="rId6"/>
+    <p:sldId id="261" r:id="rId7"/>
+    <p:sldId id="262" r:id="rId8"/>
   </p:sldIdLst>
   <p:sldSz cx="12192000" cy="6858000"/>
   <p:notesSz cx="6858000" cy="9144000"/>
@@ -6094,7 +6097,7 @@
           <p:cNvPr id="2" name="Title 1">
             <a:extLst>
               <a:ext uri="{FF2B5EF4-FFF2-40B4-BE49-F238E27FC236}">
-                <a16:creationId xmlns:a16="http://schemas.microsoft.com/office/drawing/2014/main" id="{FAB4CC07-9697-497A-AAFC-1A542B0CA2B3}"/>
+                <a16:creationId xmlns:a16="http://schemas.microsoft.com/office/drawing/2014/main" id="{02371CD0-D016-45E5-A7CD-62E3A08D3554}"/>
               </a:ext>
             </a:extLst>
           </p:cNvPr>
@@ -6105,72 +6108,105 @@
             <p:ph type="title"/>
           </p:nvPr>
         </p:nvSpPr>
-        <p:spPr/>
+        <p:spPr>
+          <a:xfrm>
+            <a:off x="836083" y="989012"/>
+            <a:ext cx="3932767" cy="1600200"/>
+          </a:xfrm>
+        </p:spPr>
         <p:txBody>
           <a:bodyPr/>
           <a:lstStyle/>
           <a:p>
             <a:r>
               <a:rPr lang="en-US" dirty="0"/>
-              <a:t>First Things First</a:t>
-            </a:r>
-          </a:p>
-        </p:txBody>
-      </p:sp>
-      <p:sp>
-        <p:nvSpPr>
-          <p:cNvPr id="3" name="Content Placeholder 2">
-            <a:extLst>
-              <a:ext uri="{FF2B5EF4-FFF2-40B4-BE49-F238E27FC236}">
-                <a16:creationId xmlns:a16="http://schemas.microsoft.com/office/drawing/2014/main" id="{DE83C150-3796-489B-A95B-5A37401F33AC}"/>
-              </a:ext>
-            </a:extLst>
-          </p:cNvPr>
-          <p:cNvSpPr>
-            <a:spLocks noGrp="1"/>
-          </p:cNvSpPr>
-          <p:nvPr>
-            <p:ph idx="1"/>
-          </p:nvPr>
-        </p:nvSpPr>
-        <p:spPr/>
+              <a:t>The What:</a:t>
+            </a:r>
+          </a:p>
+        </p:txBody>
+      </p:sp>
+      <p:pic>
+        <p:nvPicPr>
+          <p:cNvPr id="6" name="Picture Placeholder 5">
+            <a:extLst>
+              <a:ext uri="{FF2B5EF4-FFF2-40B4-BE49-F238E27FC236}">
+                <a16:creationId xmlns:a16="http://schemas.microsoft.com/office/drawing/2014/main" id="{0418F44D-D592-4D41-BB46-D56320D81C47}"/>
+              </a:ext>
+            </a:extLst>
+          </p:cNvPr>
+          <p:cNvPicPr>
+            <a:picLocks noGrp="1" noChangeAspect="1"/>
+          </p:cNvPicPr>
+          <p:nvPr>
+            <p:ph type="pic" idx="1"/>
+          </p:nvPr>
+        </p:nvPicPr>
+        <p:blipFill>
+          <a:blip r:embed="rId2">
+            <a:extLst>
+              <a:ext uri="{28A0092B-C50C-407E-A947-70E740481C1C}">
+                <a14:useLocalDpi xmlns:a14="http://schemas.microsoft.com/office/drawing/2010/main" val="0"/>
+              </a:ext>
+            </a:extLst>
+          </a:blip>
+          <a:srcRect l="7904" r="7904"/>
+          <a:stretch>
+            <a:fillRect/>
+          </a:stretch>
+        </p:blipFill>
+        <p:spPr>
+          <a:xfrm>
+            <a:off x="6029741" y="1655454"/>
+            <a:ext cx="5326176" cy="4205597"/>
+          </a:xfrm>
+        </p:spPr>
+      </p:pic>
+      <p:sp>
+        <p:nvSpPr>
+          <p:cNvPr id="4" name="Text Placeholder 3">
+            <a:extLst>
+              <a:ext uri="{FF2B5EF4-FFF2-40B4-BE49-F238E27FC236}">
+                <a16:creationId xmlns:a16="http://schemas.microsoft.com/office/drawing/2014/main" id="{BC6CC9C6-6C44-4509-9C93-4AF7A435381B}"/>
+              </a:ext>
+            </a:extLst>
+          </p:cNvPr>
+          <p:cNvSpPr>
+            <a:spLocks noGrp="1"/>
+          </p:cNvSpPr>
+          <p:nvPr>
+            <p:ph type="body" sz="half" idx="2"/>
+          </p:nvPr>
+        </p:nvSpPr>
+        <p:spPr>
+          <a:xfrm>
+            <a:off x="840318" y="2647860"/>
+            <a:ext cx="3932767" cy="3221128"/>
+          </a:xfrm>
+        </p:spPr>
         <p:txBody>
           <a:bodyPr/>
           <a:lstStyle/>
           <a:p>
             <a:r>
               <a:rPr lang="en-US" dirty="0"/>
-              <a:t>Locate a dataset large enough to work with</a:t>
-            </a:r>
+              <a:t>Who doesn’t love wine? As a group we decided to take a dataset from Kaggle that included over 6000 records of Puerto Rican wines and included features such as alcohol content, acidity, sugar, and color.</a:t>
+            </a:r>
+          </a:p>
+          <a:p>
+            <a:endParaRPr lang="en-US" dirty="0"/>
           </a:p>
           <a:p>
             <a:r>
               <a:rPr lang="en-US" dirty="0"/>
-              <a:t>Lessened decimal points &amp; restructured columns in the dataset</a:t>
-            </a:r>
-          </a:p>
-          <a:p>
-            <a:r>
-              <a:rPr lang="en-US"/>
-              <a:t>Machine Learning</a:t>
-            </a:r>
-            <a:endParaRPr lang="en-US" dirty="0"/>
-          </a:p>
-          <a:p>
-            <a:r>
-              <a:rPr lang="en-US" dirty="0"/>
-              <a:t>Create visualizations </a:t>
-            </a:r>
-          </a:p>
-          <a:p>
-            <a:endParaRPr lang="en-US" dirty="0"/>
+              <a:t>It also included a rating of the wine from 0-10. By using machine learning we able to create a model that could predict the rating of a wine based on the features.</a:t>
+            </a:r>
           </a:p>
         </p:txBody>
       </p:sp>
     </p:spTree>
     <p:extLst>
       <p:ext uri="{BB962C8B-B14F-4D97-AF65-F5344CB8AC3E}">
-        <p14:creationId xmlns:p14="http://schemas.microsoft.com/office/powerpoint/2010/main" val="1342154904"/>
+        <p14:creationId xmlns:p14="http://schemas.microsoft.com/office/powerpoint/2010/main" val="1974424690"/>
       </p:ext>
     </p:extLst>
   </p:cSld>
@@ -6202,7 +6238,7 @@
           <p:cNvPr id="2" name="Title 1">
             <a:extLst>
               <a:ext uri="{FF2B5EF4-FFF2-40B4-BE49-F238E27FC236}">
-                <a16:creationId xmlns:a16="http://schemas.microsoft.com/office/drawing/2014/main" id="{E4F3B31D-764D-497C-86E2-1F37EDBE9FAB}"/>
+                <a16:creationId xmlns:a16="http://schemas.microsoft.com/office/drawing/2014/main" id="{FAB4CC07-9697-497A-AAFC-1A542B0CA2B3}"/>
               </a:ext>
             </a:extLst>
           </p:cNvPr>
@@ -6218,7 +6254,10 @@
           <a:bodyPr/>
           <a:lstStyle/>
           <a:p>
-            <a:endParaRPr lang="en-US"/>
+            <a:r>
+              <a:rPr lang="en-US" dirty="0"/>
+              <a:t>First Things First</a:t>
+            </a:r>
           </a:p>
         </p:txBody>
       </p:sp>
@@ -6227,15 +6266,15 @@
           <p:cNvPr id="3" name="Content Placeholder 2">
             <a:extLst>
               <a:ext uri="{FF2B5EF4-FFF2-40B4-BE49-F238E27FC236}">
-                <a16:creationId xmlns:a16="http://schemas.microsoft.com/office/drawing/2014/main" id="{64D10F75-D13C-48AD-AD45-A850A64403FC}"/>
-              </a:ext>
-            </a:extLst>
-          </p:cNvPr>
-          <p:cNvSpPr>
-            <a:spLocks noGrp="1"/>
-          </p:cNvSpPr>
-          <p:nvPr>
-            <p:ph sz="half" idx="1"/>
+                <a16:creationId xmlns:a16="http://schemas.microsoft.com/office/drawing/2014/main" id="{DE83C150-3796-489B-A95B-5A37401F33AC}"/>
+              </a:ext>
+            </a:extLst>
+          </p:cNvPr>
+          <p:cNvSpPr>
+            <a:spLocks noGrp="1"/>
+          </p:cNvSpPr>
+          <p:nvPr>
+            <p:ph idx="1"/>
           </p:nvPr>
         </p:nvSpPr>
         <p:spPr/>
@@ -6243,39 +6282,490 @@
           <a:bodyPr/>
           <a:lstStyle/>
           <a:p>
-            <a:endParaRPr lang="en-US"/>
-          </a:p>
-        </p:txBody>
-      </p:sp>
-      <p:sp>
-        <p:nvSpPr>
-          <p:cNvPr id="4" name="Content Placeholder 3">
-            <a:extLst>
-              <a:ext uri="{FF2B5EF4-FFF2-40B4-BE49-F238E27FC236}">
-                <a16:creationId xmlns:a16="http://schemas.microsoft.com/office/drawing/2014/main" id="{32061057-BEFD-4CF7-91F5-4E4969E285D5}"/>
-              </a:ext>
-            </a:extLst>
-          </p:cNvPr>
-          <p:cNvSpPr>
-            <a:spLocks noGrp="1"/>
-          </p:cNvSpPr>
-          <p:nvPr>
-            <p:ph sz="half" idx="2"/>
-          </p:nvPr>
-        </p:nvSpPr>
-        <p:spPr/>
-        <p:txBody>
-          <a:bodyPr/>
-          <a:lstStyle/>
-          <a:p>
-            <a:endParaRPr lang="en-US"/>
+            <a:pPr marL="0" indent="0">
+              <a:buNone/>
+            </a:pPr>
+            <a:r>
+              <a:rPr lang="en-US" dirty="0"/>
+              <a:t>We used the process below to create our project:</a:t>
+            </a:r>
+          </a:p>
+          <a:p>
+            <a:endParaRPr lang="en-US" dirty="0"/>
+          </a:p>
+          <a:p>
+            <a:r>
+              <a:rPr lang="en-US" dirty="0"/>
+              <a:t>Located a dataset large enough to work with</a:t>
+            </a:r>
+          </a:p>
+          <a:p>
+            <a:r>
+              <a:rPr lang="en-US" dirty="0"/>
+              <a:t>Lessened decimal points &amp; restructured columns in the dataset</a:t>
+            </a:r>
+          </a:p>
+          <a:p>
+            <a:r>
+              <a:rPr lang="en-US" dirty="0"/>
+              <a:t>We determined the best machine learning model to use (K-Nearest Neighbors) and ran it against our data</a:t>
+            </a:r>
+          </a:p>
+          <a:p>
+            <a:r>
+              <a:rPr lang="en-US" dirty="0"/>
+              <a:t>Created visualizations using the data and the machine learning model by using matplotlib and Tableau.</a:t>
+            </a:r>
+          </a:p>
+          <a:p>
+            <a:r>
+              <a:rPr lang="en-US" dirty="0"/>
+              <a:t>Created two interactive visuals using </a:t>
+            </a:r>
+            <a:r>
+              <a:rPr lang="en-US" dirty="0" err="1"/>
+              <a:t>Javascript</a:t>
+            </a:r>
+            <a:r>
+              <a:rPr lang="en-US" dirty="0"/>
+              <a:t> and </a:t>
+            </a:r>
+            <a:r>
+              <a:rPr lang="en-US" dirty="0" err="1"/>
+              <a:t>Streamlit</a:t>
+            </a:r>
+            <a:endParaRPr lang="en-US" dirty="0"/>
+          </a:p>
+          <a:p>
+            <a:r>
+              <a:rPr lang="en-US" dirty="0"/>
+              <a:t>Used html to bring everything together in a visually attractive format.</a:t>
+            </a:r>
+          </a:p>
+          <a:p>
+            <a:endParaRPr lang="en-US" dirty="0"/>
           </a:p>
         </p:txBody>
       </p:sp>
     </p:spTree>
     <p:extLst>
       <p:ext uri="{BB962C8B-B14F-4D97-AF65-F5344CB8AC3E}">
-        <p14:creationId xmlns:p14="http://schemas.microsoft.com/office/powerpoint/2010/main" val="1570159204"/>
+        <p14:creationId xmlns:p14="http://schemas.microsoft.com/office/powerpoint/2010/main" val="1342154904"/>
+      </p:ext>
+    </p:extLst>
+  </p:cSld>
+  <p:clrMapOvr>
+    <a:masterClrMapping/>
+  </p:clrMapOvr>
+</p:sld>
+</file>
+
+<file path=ppt/slides/slide4.xml><?xml version="1.0" encoding="utf-8"?>
+<p:sld xmlns:a="http://schemas.openxmlformats.org/drawingml/2006/main" xmlns:r="http://schemas.openxmlformats.org/officeDocument/2006/relationships" xmlns:p="http://schemas.openxmlformats.org/presentationml/2006/main">
+  <p:cSld>
+    <p:spTree>
+      <p:nvGrpSpPr>
+        <p:cNvPr id="1" name=""/>
+        <p:cNvGrpSpPr/>
+        <p:nvPr/>
+      </p:nvGrpSpPr>
+      <p:grpSpPr>
+        <a:xfrm>
+          <a:off x="0" y="0"/>
+          <a:ext cx="0" cy="0"/>
+          <a:chOff x="0" y="0"/>
+          <a:chExt cx="0" cy="0"/>
+        </a:xfrm>
+      </p:grpSpPr>
+      <p:sp>
+        <p:nvSpPr>
+          <p:cNvPr id="2" name="Title 1">
+            <a:extLst>
+              <a:ext uri="{FF2B5EF4-FFF2-40B4-BE49-F238E27FC236}">
+                <a16:creationId xmlns:a16="http://schemas.microsoft.com/office/drawing/2014/main" id="{2ED0BAC8-2929-45D1-9626-4FC696BC6237}"/>
+              </a:ext>
+            </a:extLst>
+          </p:cNvPr>
+          <p:cNvSpPr>
+            <a:spLocks noGrp="1"/>
+          </p:cNvSpPr>
+          <p:nvPr>
+            <p:ph type="title"/>
+          </p:nvPr>
+        </p:nvSpPr>
+        <p:spPr>
+          <a:xfrm>
+            <a:off x="836083" y="1276259"/>
+            <a:ext cx="3932767" cy="1600200"/>
+          </a:xfrm>
+        </p:spPr>
+        <p:txBody>
+          <a:bodyPr/>
+          <a:lstStyle/>
+          <a:p>
+            <a:r>
+              <a:rPr lang="en-US" dirty="0"/>
+              <a:t>Let’s go to the Page!</a:t>
+            </a:r>
+          </a:p>
+        </p:txBody>
+      </p:sp>
+      <p:pic>
+        <p:nvPicPr>
+          <p:cNvPr id="6" name="Picture Placeholder 5">
+            <a:extLst>
+              <a:ext uri="{FF2B5EF4-FFF2-40B4-BE49-F238E27FC236}">
+                <a16:creationId xmlns:a16="http://schemas.microsoft.com/office/drawing/2014/main" id="{ED367EF3-BB87-4458-B5DC-1F81F3B9695D}"/>
+              </a:ext>
+            </a:extLst>
+          </p:cNvPr>
+          <p:cNvPicPr>
+            <a:picLocks noGrp="1" noChangeAspect="1"/>
+          </p:cNvPicPr>
+          <p:nvPr>
+            <p:ph type="pic" idx="1"/>
+          </p:nvPr>
+        </p:nvPicPr>
+        <p:blipFill>
+          <a:blip r:embed="rId2">
+            <a:extLst>
+              <a:ext uri="{28A0092B-C50C-407E-A947-70E740481C1C}">
+                <a14:useLocalDpi xmlns:a14="http://schemas.microsoft.com/office/drawing/2010/main" val="0"/>
+              </a:ext>
+            </a:extLst>
+          </a:blip>
+          <a:srcRect/>
+          <a:stretch/>
+        </p:blipFill>
+        <p:spPr>
+          <a:xfrm>
+            <a:off x="5703755" y="2731686"/>
+            <a:ext cx="6172200" cy="3014557"/>
+          </a:xfrm>
+        </p:spPr>
+      </p:pic>
+      <p:sp>
+        <p:nvSpPr>
+          <p:cNvPr id="4" name="Text Placeholder 3">
+            <a:extLst>
+              <a:ext uri="{FF2B5EF4-FFF2-40B4-BE49-F238E27FC236}">
+                <a16:creationId xmlns:a16="http://schemas.microsoft.com/office/drawing/2014/main" id="{AD4831E3-5B22-4522-95BE-D43A156E938D}"/>
+              </a:ext>
+            </a:extLst>
+          </p:cNvPr>
+          <p:cNvSpPr>
+            <a:spLocks noGrp="1"/>
+          </p:cNvSpPr>
+          <p:nvPr>
+            <p:ph type="body" sz="half" idx="2"/>
+          </p:nvPr>
+        </p:nvSpPr>
+        <p:spPr>
+          <a:xfrm>
+            <a:off x="836083" y="3076890"/>
+            <a:ext cx="3932768" cy="3277465"/>
+          </a:xfrm>
+        </p:spPr>
+        <p:txBody>
+          <a:bodyPr/>
+          <a:lstStyle/>
+          <a:p>
+            <a:r>
+              <a:rPr lang="en-US" dirty="0"/>
+              <a:t>Feel free to join us on our page as we talk through the various components of our project!</a:t>
+            </a:r>
+          </a:p>
+          <a:p>
+            <a:endParaRPr lang="en-US" dirty="0"/>
+          </a:p>
+          <a:p>
+            <a:r>
+              <a:rPr lang="en-US" dirty="0">
+                <a:hlinkClick r:id="rId3"/>
+              </a:rPr>
+              <a:t>https://bea03013.github.io/GrapeExpectations/</a:t>
+            </a:r>
+            <a:endParaRPr lang="en-US" dirty="0"/>
+          </a:p>
+          <a:p>
+            <a:endParaRPr lang="en-US" dirty="0"/>
+          </a:p>
+          <a:p>
+            <a:r>
+              <a:rPr lang="en-US" dirty="0"/>
+              <a:t>(We will also share the link in the slack channel for easy access).</a:t>
+            </a:r>
+          </a:p>
+        </p:txBody>
+      </p:sp>
+    </p:spTree>
+    <p:extLst>
+      <p:ext uri="{BB962C8B-B14F-4D97-AF65-F5344CB8AC3E}">
+        <p14:creationId xmlns:p14="http://schemas.microsoft.com/office/powerpoint/2010/main" val="4291480760"/>
+      </p:ext>
+    </p:extLst>
+  </p:cSld>
+  <p:clrMapOvr>
+    <a:masterClrMapping/>
+  </p:clrMapOvr>
+</p:sld>
+</file>
+
+<file path=ppt/slides/slide5.xml><?xml version="1.0" encoding="utf-8"?>
+<p:sld xmlns:a="http://schemas.openxmlformats.org/drawingml/2006/main" xmlns:r="http://schemas.openxmlformats.org/officeDocument/2006/relationships" xmlns:p="http://schemas.openxmlformats.org/presentationml/2006/main">
+  <p:cSld>
+    <p:spTree>
+      <p:nvGrpSpPr>
+        <p:cNvPr id="1" name=""/>
+        <p:cNvGrpSpPr/>
+        <p:nvPr/>
+      </p:nvGrpSpPr>
+      <p:grpSpPr>
+        <a:xfrm>
+          <a:off x="0" y="0"/>
+          <a:ext cx="0" cy="0"/>
+          <a:chOff x="0" y="0"/>
+          <a:chExt cx="0" cy="0"/>
+        </a:xfrm>
+      </p:grpSpPr>
+      <p:sp>
+        <p:nvSpPr>
+          <p:cNvPr id="2" name="Title 1">
+            <a:extLst>
+              <a:ext uri="{FF2B5EF4-FFF2-40B4-BE49-F238E27FC236}">
+                <a16:creationId xmlns:a16="http://schemas.microsoft.com/office/drawing/2014/main" id="{17DEDF7C-CE75-45CC-9C2B-22B906674576}"/>
+              </a:ext>
+            </a:extLst>
+          </p:cNvPr>
+          <p:cNvSpPr>
+            <a:spLocks noGrp="1"/>
+          </p:cNvSpPr>
+          <p:nvPr>
+            <p:ph type="title"/>
+          </p:nvPr>
+        </p:nvSpPr>
+        <p:spPr/>
+        <p:txBody>
+          <a:bodyPr/>
+          <a:lstStyle/>
+          <a:p>
+            <a:r>
+              <a:rPr lang="en-US" dirty="0"/>
+              <a:t>What Problems did we Run Into?</a:t>
+            </a:r>
+          </a:p>
+        </p:txBody>
+      </p:sp>
+      <p:pic>
+        <p:nvPicPr>
+          <p:cNvPr id="6" name="Content Placeholder 5">
+            <a:extLst>
+              <a:ext uri="{FF2B5EF4-FFF2-40B4-BE49-F238E27FC236}">
+                <a16:creationId xmlns:a16="http://schemas.microsoft.com/office/drawing/2014/main" id="{837C4562-AC89-49C4-979C-2685066E5C45}"/>
+              </a:ext>
+            </a:extLst>
+          </p:cNvPr>
+          <p:cNvPicPr>
+            <a:picLocks noGrp="1" noChangeAspect="1"/>
+          </p:cNvPicPr>
+          <p:nvPr>
+            <p:ph sz="half" idx="1"/>
+          </p:nvPr>
+        </p:nvPicPr>
+        <p:blipFill>
+          <a:blip r:embed="rId2">
+            <a:extLst>
+              <a:ext uri="{28A0092B-C50C-407E-A947-70E740481C1C}">
+                <a14:useLocalDpi xmlns:a14="http://schemas.microsoft.com/office/drawing/2010/main" val="0"/>
+              </a:ext>
+            </a:extLst>
+          </a:blip>
+          <a:stretch>
+            <a:fillRect/>
+          </a:stretch>
+        </p:blipFill>
+        <p:spPr>
+          <a:xfrm>
+            <a:off x="814388" y="2531403"/>
+            <a:ext cx="5180012" cy="3882756"/>
+          </a:xfrm>
+        </p:spPr>
+      </p:pic>
+      <p:sp>
+        <p:nvSpPr>
+          <p:cNvPr id="4" name="Content Placeholder 3">
+            <a:extLst>
+              <a:ext uri="{FF2B5EF4-FFF2-40B4-BE49-F238E27FC236}">
+                <a16:creationId xmlns:a16="http://schemas.microsoft.com/office/drawing/2014/main" id="{BFFAAE9B-7B05-4BCC-8A3A-4EB3509FF0F7}"/>
+              </a:ext>
+            </a:extLst>
+          </p:cNvPr>
+          <p:cNvSpPr>
+            <a:spLocks noGrp="1"/>
+          </p:cNvSpPr>
+          <p:nvPr>
+            <p:ph sz="half" idx="2"/>
+          </p:nvPr>
+        </p:nvSpPr>
+        <p:spPr/>
+        <p:txBody>
+          <a:bodyPr/>
+          <a:lstStyle/>
+          <a:p>
+            <a:r>
+              <a:rPr lang="en-US" sz="1600" dirty="0"/>
+              <a:t>The biggest problem as we got started was finding a dataset that we liked that had enough data to run the machine learning model on.</a:t>
+            </a:r>
+          </a:p>
+          <a:p>
+            <a:r>
+              <a:rPr lang="en-US" sz="1600" dirty="0"/>
+              <a:t>There were some issues with </a:t>
+            </a:r>
+            <a:r>
+              <a:rPr lang="en-US" sz="1600" dirty="0" err="1"/>
+              <a:t>Streamlit</a:t>
+            </a:r>
+            <a:r>
+              <a:rPr lang="en-US" sz="1600" dirty="0"/>
+              <a:t>. It is a fairly new library and hasn’t gotten all of the bugs worked out.</a:t>
+            </a:r>
+          </a:p>
+          <a:p>
+            <a:r>
+              <a:rPr lang="en-US" sz="1600" dirty="0"/>
+              <a:t>We used </a:t>
+            </a:r>
+            <a:r>
+              <a:rPr lang="en-US" sz="1600" dirty="0" err="1"/>
+              <a:t>Bootswatch</a:t>
+            </a:r>
+            <a:r>
+              <a:rPr lang="en-US" sz="1600" dirty="0"/>
+              <a:t> on our filtered table, and found it caused issues with our Bootstrap Navigation Bar.</a:t>
+            </a:r>
+          </a:p>
+          <a:p>
+            <a:r>
+              <a:rPr lang="en-US" sz="1600" dirty="0"/>
+              <a:t>Figuring out the </a:t>
+            </a:r>
+            <a:r>
+              <a:rPr lang="en-US" sz="1600" dirty="0" err="1"/>
+              <a:t>Procfile</a:t>
+            </a:r>
+            <a:r>
+              <a:rPr lang="en-US" sz="1600" dirty="0"/>
+              <a:t> for the Heroku app and how to integrate it into our page was difficult.</a:t>
+            </a:r>
+          </a:p>
+          <a:p>
+            <a:endParaRPr lang="en-US" sz="1600" dirty="0"/>
+          </a:p>
+          <a:p>
+            <a:r>
+              <a:rPr lang="en-US" sz="1600" dirty="0"/>
+              <a:t>But overall, we felt well-prepared to tackle the project and any troubleshoot any issues that arose!</a:t>
+            </a:r>
+          </a:p>
+        </p:txBody>
+      </p:sp>
+    </p:spTree>
+    <p:extLst>
+      <p:ext uri="{BB962C8B-B14F-4D97-AF65-F5344CB8AC3E}">
+        <p14:creationId xmlns:p14="http://schemas.microsoft.com/office/powerpoint/2010/main" val="1312853858"/>
+      </p:ext>
+    </p:extLst>
+  </p:cSld>
+  <p:clrMapOvr>
+    <a:masterClrMapping/>
+  </p:clrMapOvr>
+</p:sld>
+</file>
+
+<file path=ppt/slides/slide6.xml><?xml version="1.0" encoding="utf-8"?>
+<p:sld xmlns:a="http://schemas.openxmlformats.org/drawingml/2006/main" xmlns:r="http://schemas.openxmlformats.org/officeDocument/2006/relationships" xmlns:p="http://schemas.openxmlformats.org/presentationml/2006/main">
+  <p:cSld>
+    <p:spTree>
+      <p:nvGrpSpPr>
+        <p:cNvPr id="1" name=""/>
+        <p:cNvGrpSpPr/>
+        <p:nvPr/>
+      </p:nvGrpSpPr>
+      <p:grpSpPr>
+        <a:xfrm>
+          <a:off x="0" y="0"/>
+          <a:ext cx="0" cy="0"/>
+          <a:chOff x="0" y="0"/>
+          <a:chExt cx="0" cy="0"/>
+        </a:xfrm>
+      </p:grpSpPr>
+      <p:sp>
+        <p:nvSpPr>
+          <p:cNvPr id="2" name="Title 1">
+            <a:extLst>
+              <a:ext uri="{FF2B5EF4-FFF2-40B4-BE49-F238E27FC236}">
+                <a16:creationId xmlns:a16="http://schemas.microsoft.com/office/drawing/2014/main" id="{E0E7EFDD-370D-41F0-982F-D4A8B900BA0E}"/>
+              </a:ext>
+            </a:extLst>
+          </p:cNvPr>
+          <p:cNvSpPr>
+            <a:spLocks noGrp="1"/>
+          </p:cNvSpPr>
+          <p:nvPr>
+            <p:ph type="title"/>
+          </p:nvPr>
+        </p:nvSpPr>
+        <p:spPr/>
+        <p:txBody>
+          <a:bodyPr/>
+          <a:lstStyle/>
+          <a:p>
+            <a:r>
+              <a:rPr lang="en-US" dirty="0"/>
+              <a:t>Any Questions?</a:t>
+            </a:r>
+          </a:p>
+        </p:txBody>
+      </p:sp>
+      <p:pic>
+        <p:nvPicPr>
+          <p:cNvPr id="5" name="Content Placeholder 4">
+            <a:extLst>
+              <a:ext uri="{FF2B5EF4-FFF2-40B4-BE49-F238E27FC236}">
+                <a16:creationId xmlns:a16="http://schemas.microsoft.com/office/drawing/2014/main" id="{CE20FCD0-2E6A-417F-B3CD-F2FE97FA221C}"/>
+              </a:ext>
+            </a:extLst>
+          </p:cNvPr>
+          <p:cNvPicPr>
+            <a:picLocks noGrp="1" noChangeAspect="1"/>
+          </p:cNvPicPr>
+          <p:nvPr>
+            <p:ph idx="1"/>
+          </p:nvPr>
+        </p:nvPicPr>
+        <p:blipFill>
+          <a:blip r:embed="rId2">
+            <a:extLst>
+              <a:ext uri="{28A0092B-C50C-407E-A947-70E740481C1C}">
+                <a14:useLocalDpi xmlns:a14="http://schemas.microsoft.com/office/drawing/2010/main" val="0"/>
+              </a:ext>
+            </a:extLst>
+          </a:blip>
+          <a:srcRect/>
+          <a:stretch/>
+        </p:blipFill>
+        <p:spPr>
+          <a:xfrm>
+            <a:off x="3018235" y="2421451"/>
+            <a:ext cx="6155530" cy="4102660"/>
+          </a:xfrm>
+        </p:spPr>
+      </p:pic>
+    </p:spTree>
+    <p:extLst>
+      <p:ext uri="{BB962C8B-B14F-4D97-AF65-F5344CB8AC3E}">
+        <p14:creationId xmlns:p14="http://schemas.microsoft.com/office/powerpoint/2010/main" val="1340851575"/>
       </p:ext>
     </p:extLst>
   </p:cSld>

--- a/What Distinguishes a Good Wine.pptx
+++ b/What Distinguishes a Good Wine.pptx
@@ -6483,9 +6483,12 @@
               <a:rPr lang="en-US" dirty="0">
                 <a:hlinkClick r:id="rId3"/>
               </a:rPr>
-              <a:t>https://bea03013.github.io/GrapeExpectations/</a:t>
-            </a:r>
-            <a:endParaRPr lang="en-US" dirty="0"/>
+              <a:t>https://bit.ly/2GLy95z</a:t>
+            </a:r>
+            <a:r>
+              <a:rPr lang="en-US" dirty="0"/>
+              <a:t> </a:t>
+            </a:r>
           </a:p>
           <a:p>
             <a:endParaRPr lang="en-US" dirty="0"/>
@@ -6660,12 +6663,9 @@
             </a:r>
           </a:p>
           <a:p>
-            <a:endParaRPr lang="en-US" sz="1600" dirty="0"/>
-          </a:p>
-          <a:p>
             <a:r>
               <a:rPr lang="en-US" sz="1600" dirty="0"/>
-              <a:t>But overall, we felt well-prepared to tackle the project and any troubleshoot any issues that arose!</a:t>
+              <a:t>But overall, we felt well-prepared to tackle the project and troubleshoot any issues that arose!</a:t>
             </a:r>
           </a:p>
         </p:txBody>
